--- a/lecture-slides/2019-12-04-oop.pptx
+++ b/lecture-slides/2019-12-04-oop.pptx
@@ -9,8 +9,8 @@
   </p:notesMasterIdLst>
   <p:sldIdLst>
     <p:sldId id="305" r:id="rId2"/>
-    <p:sldId id="657" r:id="rId3"/>
-    <p:sldId id="677" r:id="rId4"/>
+    <p:sldId id="677" r:id="rId3"/>
+    <p:sldId id="663" r:id="rId4"/>
     <p:sldId id="633" r:id="rId5"/>
     <p:sldId id="613" r:id="rId6"/>
   </p:sldIdLst>
@@ -117,8 +117,8 @@
         <p14:section name="Default Section" id="{AC0D00C2-7C06-4709-B898-894AB1E9AF9C}">
           <p14:sldIdLst>
             <p14:sldId id="305"/>
-            <p14:sldId id="657"/>
             <p14:sldId id="677"/>
+            <p14:sldId id="663"/>
             <p14:sldId id="633"/>
             <p14:sldId id="613"/>
           </p14:sldIdLst>
@@ -214,7 +214,7 @@
           <a:p>
             <a:fld id="{A677DEB0-5AA4-49C7-B0AD-AD047A002C4C}" type="datetimeFigureOut">
               <a:rPr lang="en-US" smtClean="0"/>
-              <a:t>12/2/2019</a:t>
+              <a:t>12/4/2019</a:t>
             </a:fld>
             <a:endParaRPr lang="en-US"/>
           </a:p>
@@ -630,6 +630,90 @@
           <a:p>
             <a:fld id="{5394DE12-7B9B-46AA-AC19-C30A49928B9B}" type="slidenum">
               <a:rPr lang="en-US" smtClean="0"/>
+              <a:t>3</a:t>
+            </a:fld>
+            <a:endParaRPr lang="en-US" dirty="0"/>
+          </a:p>
+        </p:txBody>
+      </p:sp>
+    </p:spTree>
+    <p:extLst>
+      <p:ext uri="{BB962C8B-B14F-4D97-AF65-F5344CB8AC3E}">
+        <p14:creationId xmlns:p14="http://schemas.microsoft.com/office/powerpoint/2010/main" val="134271935"/>
+      </p:ext>
+    </p:extLst>
+  </p:cSld>
+  <p:clrMapOvr>
+    <a:masterClrMapping/>
+  </p:clrMapOvr>
+</p:notes>
+</file>
+
+<file path=ppt/notesSlides/notesSlide3.xml><?xml version="1.0" encoding="utf-8"?>
+<p:notes xmlns:a="http://schemas.openxmlformats.org/drawingml/2006/main" xmlns:r="http://schemas.openxmlformats.org/officeDocument/2006/relationships" xmlns:p="http://schemas.openxmlformats.org/presentationml/2006/main">
+  <p:cSld>
+    <p:spTree>
+      <p:nvGrpSpPr>
+        <p:cNvPr id="1" name=""/>
+        <p:cNvGrpSpPr/>
+        <p:nvPr/>
+      </p:nvGrpSpPr>
+      <p:grpSpPr>
+        <a:xfrm>
+          <a:off x="0" y="0"/>
+          <a:ext cx="0" cy="0"/>
+          <a:chOff x="0" y="0"/>
+          <a:chExt cx="0" cy="0"/>
+        </a:xfrm>
+      </p:grpSpPr>
+      <p:sp>
+        <p:nvSpPr>
+          <p:cNvPr id="2" name="Slide Image Placeholder 1"/>
+          <p:cNvSpPr>
+            <a:spLocks noGrp="1" noRot="1" noChangeAspect="1"/>
+          </p:cNvSpPr>
+          <p:nvPr>
+            <p:ph type="sldImg"/>
+          </p:nvPr>
+        </p:nvSpPr>
+        <p:spPr/>
+      </p:sp>
+      <p:sp>
+        <p:nvSpPr>
+          <p:cNvPr id="3" name="Notes Placeholder 2"/>
+          <p:cNvSpPr>
+            <a:spLocks noGrp="1"/>
+          </p:cNvSpPr>
+          <p:nvPr>
+            <p:ph type="body" idx="1"/>
+          </p:nvPr>
+        </p:nvSpPr>
+        <p:spPr/>
+        <p:txBody>
+          <a:bodyPr/>
+          <a:lstStyle/>
+          <a:p>
+            <a:endParaRPr lang="en-US" sz="1000" dirty="0"/>
+          </a:p>
+        </p:txBody>
+      </p:sp>
+      <p:sp>
+        <p:nvSpPr>
+          <p:cNvPr id="4" name="Slide Number Placeholder 3"/>
+          <p:cNvSpPr>
+            <a:spLocks noGrp="1"/>
+          </p:cNvSpPr>
+          <p:nvPr>
+            <p:ph type="sldNum" sz="quarter" idx="10"/>
+          </p:nvPr>
+        </p:nvSpPr>
+        <p:spPr/>
+        <p:txBody>
+          <a:bodyPr/>
+          <a:lstStyle/>
+          <a:p>
+            <a:fld id="{5394DE12-7B9B-46AA-AC19-C30A49928B9B}" type="slidenum">
+              <a:rPr lang="en-US" smtClean="0"/>
               <a:t>4</a:t>
             </a:fld>
             <a:endParaRPr lang="en-US" dirty="0"/>
@@ -649,7 +733,7 @@
 </p:notes>
 </file>
 
-<file path=ppt/notesSlides/notesSlide3.xml><?xml version="1.0" encoding="utf-8"?>
+<file path=ppt/notesSlides/notesSlide4.xml><?xml version="1.0" encoding="utf-8"?>
 <p:notes xmlns:a="http://schemas.openxmlformats.org/drawingml/2006/main" xmlns:r="http://schemas.openxmlformats.org/officeDocument/2006/relationships" xmlns:p="http://schemas.openxmlformats.org/presentationml/2006/main">
   <p:cSld>
     <p:spTree>
@@ -880,7 +964,7 @@
           <a:p>
             <a:fld id="{1B52E0E1-344B-4E26-B5AD-CE86AB802485}" type="datetimeFigureOut">
               <a:rPr lang="en-US" smtClean="0"/>
-              <a:t>12/2/2019</a:t>
+              <a:t>12/4/2019</a:t>
             </a:fld>
             <a:endParaRPr lang="en-US"/>
           </a:p>
@@ -1078,7 +1162,7 @@
           <a:p>
             <a:fld id="{1B52E0E1-344B-4E26-B5AD-CE86AB802485}" type="datetimeFigureOut">
               <a:rPr lang="en-US" smtClean="0"/>
-              <a:t>12/2/2019</a:t>
+              <a:t>12/4/2019</a:t>
             </a:fld>
             <a:endParaRPr lang="en-US"/>
           </a:p>
@@ -1286,7 +1370,7 @@
           <a:p>
             <a:fld id="{1B52E0E1-344B-4E26-B5AD-CE86AB802485}" type="datetimeFigureOut">
               <a:rPr lang="en-US" smtClean="0"/>
-              <a:t>12/2/2019</a:t>
+              <a:t>12/4/2019</a:t>
             </a:fld>
             <a:endParaRPr lang="en-US"/>
           </a:p>
@@ -1484,7 +1568,7 @@
           <a:p>
             <a:fld id="{1B52E0E1-344B-4E26-B5AD-CE86AB802485}" type="datetimeFigureOut">
               <a:rPr lang="en-US" smtClean="0"/>
-              <a:t>12/2/2019</a:t>
+              <a:t>12/4/2019</a:t>
             </a:fld>
             <a:endParaRPr lang="en-US"/>
           </a:p>
@@ -1759,7 +1843,7 @@
           <a:p>
             <a:fld id="{1B52E0E1-344B-4E26-B5AD-CE86AB802485}" type="datetimeFigureOut">
               <a:rPr lang="en-US" smtClean="0"/>
-              <a:t>12/2/2019</a:t>
+              <a:t>12/4/2019</a:t>
             </a:fld>
             <a:endParaRPr lang="en-US"/>
           </a:p>
@@ -2024,7 +2108,7 @@
           <a:p>
             <a:fld id="{1B52E0E1-344B-4E26-B5AD-CE86AB802485}" type="datetimeFigureOut">
               <a:rPr lang="en-US" smtClean="0"/>
-              <a:t>12/2/2019</a:t>
+              <a:t>12/4/2019</a:t>
             </a:fld>
             <a:endParaRPr lang="en-US"/>
           </a:p>
@@ -2436,7 +2520,7 @@
           <a:p>
             <a:fld id="{1B52E0E1-344B-4E26-B5AD-CE86AB802485}" type="datetimeFigureOut">
               <a:rPr lang="en-US" smtClean="0"/>
-              <a:t>12/2/2019</a:t>
+              <a:t>12/4/2019</a:t>
             </a:fld>
             <a:endParaRPr lang="en-US"/>
           </a:p>
@@ -2577,7 +2661,7 @@
           <a:p>
             <a:fld id="{1B52E0E1-344B-4E26-B5AD-CE86AB802485}" type="datetimeFigureOut">
               <a:rPr lang="en-US" smtClean="0"/>
-              <a:t>12/2/2019</a:t>
+              <a:t>12/4/2019</a:t>
             </a:fld>
             <a:endParaRPr lang="en-US"/>
           </a:p>
@@ -2690,7 +2774,7 @@
           <a:p>
             <a:fld id="{1B52E0E1-344B-4E26-B5AD-CE86AB802485}" type="datetimeFigureOut">
               <a:rPr lang="en-US" smtClean="0"/>
-              <a:t>12/2/2019</a:t>
+              <a:t>12/4/2019</a:t>
             </a:fld>
             <a:endParaRPr lang="en-US"/>
           </a:p>
@@ -3001,7 +3085,7 @@
           <a:p>
             <a:fld id="{1B52E0E1-344B-4E26-B5AD-CE86AB802485}" type="datetimeFigureOut">
               <a:rPr lang="en-US" smtClean="0"/>
-              <a:t>12/2/2019</a:t>
+              <a:t>12/4/2019</a:t>
             </a:fld>
             <a:endParaRPr lang="en-US"/>
           </a:p>
@@ -3289,7 +3373,7 @@
           <a:p>
             <a:fld id="{1B52E0E1-344B-4E26-B5AD-CE86AB802485}" type="datetimeFigureOut">
               <a:rPr lang="en-US" smtClean="0"/>
-              <a:t>12/2/2019</a:t>
+              <a:t>12/4/2019</a:t>
             </a:fld>
             <a:endParaRPr lang="en-US"/>
           </a:p>
@@ -3530,7 +3614,7 @@
           <a:p>
             <a:fld id="{1B52E0E1-344B-4E26-B5AD-CE86AB802485}" type="datetimeFigureOut">
               <a:rPr lang="en-US" smtClean="0"/>
-              <a:t>12/2/2019</a:t>
+              <a:t>12/4/2019</a:t>
             </a:fld>
             <a:endParaRPr lang="en-US"/>
           </a:p>
@@ -4179,78 +4263,135 @@
           <a:p>
             <a:r>
               <a:rPr lang="en-US" dirty="0"/>
-              <a:t>Final Projects Presentation Schedule</a:t>
-            </a:r>
-          </a:p>
-        </p:txBody>
-      </p:sp>
-      <p:graphicFrame>
-        <p:nvGraphicFramePr>
-          <p:cNvPr id="3" name="Object 2">
-            <a:extLst>
-              <a:ext uri="{FF2B5EF4-FFF2-40B4-BE49-F238E27FC236}">
-                <a16:creationId xmlns:a16="http://schemas.microsoft.com/office/drawing/2014/main" id="{E15A4AD6-5FC1-4AFA-8797-6498CEBAEBBA}"/>
-              </a:ext>
-            </a:extLst>
-          </p:cNvPr>
-          <p:cNvGraphicFramePr>
-            <a:graphicFrameLocks noChangeAspect="1"/>
-          </p:cNvGraphicFramePr>
-          <p:nvPr>
-            <p:extLst>
-              <p:ext uri="{D42A27DB-BD31-4B8C-83A1-F6EECF244321}">
-                <p14:modId xmlns:p14="http://schemas.microsoft.com/office/powerpoint/2010/main" val="3187664635"/>
-              </p:ext>
-            </p:extLst>
-          </p:nvPr>
-        </p:nvGraphicFramePr>
-        <p:xfrm>
-          <a:off x="1219200" y="1690688"/>
-          <a:ext cx="9731375" cy="4133850"/>
-        </p:xfrm>
-        <a:graphic>
-          <a:graphicData uri="http://schemas.openxmlformats.org/presentationml/2006/ole">
-            <mc:AlternateContent xmlns:mc="http://schemas.openxmlformats.org/markup-compatibility/2006">
-              <mc:Choice xmlns:v="urn:schemas-microsoft-com:vml" Requires="v">
-                <p:oleObj spid="_x0000_s8202" name="Worksheet" r:id="rId3" imgW="6965649" imgH="2958838" progId="Excel.Sheet.12">
-                  <p:embed/>
-                </p:oleObj>
-              </mc:Choice>
-              <mc:Fallback>
-                <p:oleObj name="Worksheet" r:id="rId3" imgW="6965649" imgH="2958838" progId="Excel.Sheet.12">
-                  <p:embed/>
-                  <p:pic>
-                    <p:nvPicPr>
-                      <p:cNvPr id="0" name=""/>
-                      <p:cNvPicPr/>
-                      <p:nvPr/>
-                    </p:nvPicPr>
-                    <p:blipFill>
-                      <a:blip r:embed="rId4"/>
-                      <a:stretch>
-                        <a:fillRect/>
-                      </a:stretch>
-                    </p:blipFill>
-                    <p:spPr>
-                      <a:xfrm>
-                        <a:off x="1219200" y="1690688"/>
-                        <a:ext cx="9731375" cy="4133850"/>
-                      </a:xfrm>
-                      <a:prstGeom prst="rect">
-                        <a:avLst/>
-                      </a:prstGeom>
-                    </p:spPr>
-                  </p:pic>
-                </p:oleObj>
-              </mc:Fallback>
-            </mc:AlternateContent>
-          </a:graphicData>
-        </a:graphic>
-      </p:graphicFrame>
+              <a:t>Assignment</a:t>
+            </a:r>
+          </a:p>
+        </p:txBody>
+      </p:sp>
+      <p:sp>
+        <p:nvSpPr>
+          <p:cNvPr id="3" name="Content Placeholder 2">
+            <a:extLst>
+              <a:ext uri="{FF2B5EF4-FFF2-40B4-BE49-F238E27FC236}">
+                <a16:creationId xmlns:a16="http://schemas.microsoft.com/office/drawing/2014/main" id="{72EF5DE0-5958-4171-A9E3-3D288A31AC3F}"/>
+              </a:ext>
+            </a:extLst>
+          </p:cNvPr>
+          <p:cNvSpPr>
+            <a:spLocks noGrp="1"/>
+          </p:cNvSpPr>
+          <p:nvPr>
+            <p:ph idx="1"/>
+          </p:nvPr>
+        </p:nvSpPr>
+        <p:spPr>
+          <a:xfrm>
+            <a:off x="838200" y="1654444"/>
+            <a:ext cx="10515600" cy="4522519"/>
+          </a:xfrm>
+        </p:spPr>
+        <p:txBody>
+          <a:bodyPr>
+            <a:normAutofit/>
+          </a:bodyPr>
+          <a:lstStyle/>
+          <a:p>
+            <a:pPr marL="0" indent="0">
+              <a:spcBef>
+                <a:spcPts val="1800"/>
+              </a:spcBef>
+              <a:buNone/>
+            </a:pPr>
+            <a:r>
+              <a:rPr lang="en-US" sz="2000" b="1" dirty="0"/>
+              <a:t>Our final is scheduled for Monday, December 9</a:t>
+            </a:r>
+            <a:r>
+              <a:rPr lang="en-US" sz="2000" b="1" baseline="30000" dirty="0"/>
+              <a:t>th</a:t>
+            </a:r>
+            <a:r>
+              <a:rPr lang="en-US" sz="2000" b="1" dirty="0"/>
+              <a:t> from 4-6pm… this is when you will be presenting your final project unless you have a confirmed alternate time. </a:t>
+            </a:r>
+          </a:p>
+          <a:p>
+            <a:pPr marL="0" indent="0">
+              <a:spcBef>
+                <a:spcPts val="1800"/>
+              </a:spcBef>
+              <a:buNone/>
+            </a:pPr>
+            <a:r>
+              <a:rPr lang="en-US" sz="2000" dirty="0"/>
+              <a:t>You need to have everything submitted at least two hour before your final project presentation is scheduled</a:t>
+            </a:r>
+          </a:p>
+          <a:p>
+            <a:pPr marL="0" indent="0">
+              <a:spcBef>
+                <a:spcPts val="1800"/>
+              </a:spcBef>
+              <a:buNone/>
+            </a:pPr>
+            <a:r>
+              <a:rPr lang="en-US" sz="2000" dirty="0"/>
+              <a:t>You can optionally resubmit sprint 8 assignment up until noon on Thursday, December 12</a:t>
+            </a:r>
+            <a:r>
+              <a:rPr lang="en-US" sz="2000" baseline="30000" dirty="0"/>
+              <a:t>th</a:t>
+            </a:r>
+            <a:r>
+              <a:rPr lang="en-US" sz="2000" dirty="0"/>
+              <a:t>  </a:t>
+            </a:r>
+          </a:p>
+          <a:p>
+            <a:pPr marL="0" indent="0">
+              <a:spcBef>
+                <a:spcPts val="1800"/>
+              </a:spcBef>
+              <a:buNone/>
+            </a:pPr>
+            <a:r>
+              <a:rPr lang="en-US" sz="2000" b="1" u="sng" dirty="0"/>
+              <a:t>Everything</a:t>
+            </a:r>
+            <a:r>
+              <a:rPr lang="en-US" sz="2000" b="1" dirty="0"/>
+              <a:t> is due by noon on Thursday, December 12</a:t>
+            </a:r>
+            <a:r>
+              <a:rPr lang="en-US" sz="2000" b="1" baseline="30000" dirty="0"/>
+              <a:t>th</a:t>
+            </a:r>
+            <a:endParaRPr lang="en-US" sz="2000" b="1" dirty="0"/>
+          </a:p>
+          <a:p>
+            <a:pPr marL="0" indent="0">
+              <a:buNone/>
+            </a:pPr>
+            <a:endParaRPr lang="en-US" sz="2000" dirty="0"/>
+          </a:p>
+          <a:p>
+            <a:pPr marL="0" indent="0">
+              <a:buNone/>
+            </a:pPr>
+            <a:endParaRPr lang="en-US" sz="2000" dirty="0"/>
+          </a:p>
+          <a:p>
+            <a:pPr marL="0" indent="0">
+              <a:buNone/>
+            </a:pPr>
+            <a:endParaRPr lang="en-US" sz="2000" b="1" dirty="0"/>
+          </a:p>
+        </p:txBody>
+      </p:sp>
     </p:spTree>
     <p:extLst>
       <p:ext uri="{BB962C8B-B14F-4D97-AF65-F5344CB8AC3E}">
-        <p14:creationId xmlns:p14="http://schemas.microsoft.com/office/powerpoint/2010/main" val="925678226"/>
+        <p14:creationId xmlns:p14="http://schemas.microsoft.com/office/powerpoint/2010/main" val="484905478"/>
       </p:ext>
     </p:extLst>
   </p:cSld>
@@ -4279,136 +4420,42 @@
       </p:grpSpPr>
       <p:sp>
         <p:nvSpPr>
-          <p:cNvPr id="2" name="Title 1">
-            <a:extLst>
-              <a:ext uri="{FF2B5EF4-FFF2-40B4-BE49-F238E27FC236}">
-                <a16:creationId xmlns:a16="http://schemas.microsoft.com/office/drawing/2014/main" id="{2A5755BE-860E-40EB-ADA6-6E82BCB49EC3}"/>
-              </a:ext>
-            </a:extLst>
-          </p:cNvPr>
-          <p:cNvSpPr>
-            <a:spLocks noGrp="1"/>
-          </p:cNvSpPr>
-          <p:nvPr>
-            <p:ph type="title"/>
-          </p:nvPr>
-        </p:nvSpPr>
-        <p:spPr/>
-        <p:txBody>
-          <a:bodyPr/>
-          <a:lstStyle/>
-          <a:p>
-            <a:r>
-              <a:rPr lang="en-US" dirty="0"/>
-              <a:t>Assignment</a:t>
-            </a:r>
-          </a:p>
-        </p:txBody>
-      </p:sp>
-      <p:sp>
-        <p:nvSpPr>
-          <p:cNvPr id="3" name="Content Placeholder 2">
-            <a:extLst>
-              <a:ext uri="{FF2B5EF4-FFF2-40B4-BE49-F238E27FC236}">
-                <a16:creationId xmlns:a16="http://schemas.microsoft.com/office/drawing/2014/main" id="{72EF5DE0-5958-4171-A9E3-3D288A31AC3F}"/>
-              </a:ext>
-            </a:extLst>
-          </p:cNvPr>
-          <p:cNvSpPr>
-            <a:spLocks noGrp="1"/>
-          </p:cNvSpPr>
-          <p:nvPr>
-            <p:ph idx="1"/>
+          <p:cNvPr id="2" name="Title 1"/>
+          <p:cNvSpPr>
+            <a:spLocks noGrp="1"/>
+          </p:cNvSpPr>
+          <p:nvPr>
+            <p:ph type="ctrTitle"/>
           </p:nvPr>
         </p:nvSpPr>
         <p:spPr>
           <a:xfrm>
-            <a:off x="838200" y="1654444"/>
-            <a:ext cx="10515600" cy="4522519"/>
+            <a:off x="1524000" y="3025490"/>
+            <a:ext cx="9144000" cy="807019"/>
           </a:xfrm>
         </p:spPr>
         <p:txBody>
-          <a:bodyPr>
-            <a:normAutofit/>
+          <a:bodyPr anchor="ctr">
+            <a:noAutofit/>
           </a:bodyPr>
           <a:lstStyle/>
           <a:p>
-            <a:pPr marL="0" indent="0">
+            <a:pPr>
               <a:spcBef>
-                <a:spcPts val="1800"/>
+                <a:spcPts val="300"/>
               </a:spcBef>
-              <a:buNone/>
             </a:pPr>
             <a:r>
-              <a:rPr lang="en-US" sz="2000" b="1" dirty="0"/>
-              <a:t>You need to have everything submitted at least two hour before your final project presentation is scheduled</a:t>
-            </a:r>
-          </a:p>
-          <a:p>
-            <a:pPr marL="0" indent="0">
-              <a:spcBef>
-                <a:spcPts val="1800"/>
-              </a:spcBef>
-              <a:buNone/>
-            </a:pPr>
-            <a:r>
-              <a:rPr lang="en-US" sz="2000" dirty="0"/>
-              <a:t>You can optionally resubmit sprint 8 assignment up until noon on Thursday, December 12</a:t>
-            </a:r>
-            <a:r>
-              <a:rPr lang="en-US" sz="2000" baseline="30000" dirty="0"/>
-              <a:t>th</a:t>
-            </a:r>
-            <a:r>
-              <a:rPr lang="en-US" sz="2000" dirty="0"/>
-              <a:t>  </a:t>
-            </a:r>
-          </a:p>
-          <a:p>
-            <a:pPr marL="0" indent="0">
-              <a:spcBef>
-                <a:spcPts val="1800"/>
-              </a:spcBef>
-              <a:buNone/>
-            </a:pPr>
-            <a:r>
-              <a:rPr lang="en-US" sz="2000" b="1" u="sng" dirty="0"/>
-              <a:t>Everything</a:t>
-            </a:r>
-            <a:r>
-              <a:rPr lang="en-US" sz="2000" b="1" dirty="0"/>
-              <a:t> is due by noon on Thursday, December 12</a:t>
-            </a:r>
-            <a:r>
-              <a:rPr lang="en-US" sz="2000" b="1" baseline="30000" dirty="0"/>
-              <a:t>th</a:t>
-            </a:r>
-            <a:endParaRPr lang="en-US" sz="2000" b="1" dirty="0"/>
-          </a:p>
-          <a:p>
-            <a:pPr marL="0" indent="0">
-              <a:buNone/>
-            </a:pPr>
-            <a:endParaRPr lang="en-US" sz="2000" dirty="0"/>
-          </a:p>
-          <a:p>
-            <a:pPr marL="0" indent="0">
-              <a:buNone/>
-            </a:pPr>
-            <a:endParaRPr lang="en-US" sz="2000" dirty="0"/>
-          </a:p>
-          <a:p>
-            <a:pPr marL="0" indent="0">
-              <a:buNone/>
-            </a:pPr>
-            <a:endParaRPr lang="en-US" sz="2000" b="1" dirty="0"/>
+              <a:rPr lang="en-US" sz="3600" dirty="0"/>
+              <a:t>Final Project Presentation Schedule</a:t>
+            </a:r>
           </a:p>
         </p:txBody>
       </p:sp>
     </p:spTree>
     <p:extLst>
       <p:ext uri="{BB962C8B-B14F-4D97-AF65-F5344CB8AC3E}">
-        <p14:creationId xmlns:p14="http://schemas.microsoft.com/office/powerpoint/2010/main" val="484905478"/>
+        <p14:creationId xmlns:p14="http://schemas.microsoft.com/office/powerpoint/2010/main" val="2485405224"/>
       </p:ext>
     </p:extLst>
   </p:cSld>
